--- a/ShortCourseIntroSlides.pptx
+++ b/ShortCourseIntroSlides.pptx
@@ -116,6 +116,11 @@
       </a:defRPr>
     </a:lvl9pPr>
   </p:defaultTextStyle>
+  <p:extLst>
+    <p:ext uri="{EFAFB233-063F-42B5-8137-9DF3F51BA10A}">
+      <p15:sldGuideLst xmlns:p15="http://schemas.microsoft.com/office/powerpoint/2012/main"/>
+    </p:ext>
+  </p:extLst>
 </p:presentation>
 </file>
 
@@ -3449,7 +3454,7 @@
           </a:r>
           <a:r>
             <a:rPr lang="en-US" b="0" i="0" dirty="0"/>
-            <a:t>: Physics Applications of Large Language Models</a:t>
+            <a:t>: Introduction to Large-Language Models and Retrieval Augmented Generation</a:t>
           </a:r>
           <a:endParaRPr lang="en-US" dirty="0"/>
         </a:p>
@@ -3486,7 +3491,7 @@
         <a:p>
           <a:r>
             <a:rPr lang="en-US" b="1" i="0" dirty="0"/>
-            <a:t>10:30am - 10:45am</a:t>
+            <a:t>10:15am - 10:30am</a:t>
           </a:r>
           <a:r>
             <a:rPr lang="en-US" b="0" i="0" dirty="0"/>
@@ -3527,11 +3532,11 @@
         <a:p>
           <a:r>
             <a:rPr lang="en-US" b="1" i="0" dirty="0"/>
-            <a:t>10:45am - 11:30am</a:t>
+            <a:t>10:30am - 11:30am</a:t>
           </a:r>
           <a:r>
             <a:rPr lang="en-US" b="0" i="0" dirty="0"/>
-            <a:t>: Introduction to Large-Language Models and Retrieval Augmented Generation</a:t>
+            <a:t>: Physics Applications of Large Language Models</a:t>
           </a:r>
           <a:endParaRPr lang="en-US" dirty="0"/>
         </a:p>
@@ -3549,47 +3554,6 @@
       </dgm:t>
     </dgm:pt>
     <dgm:pt modelId="{FF421F49-13B6-4A72-929F-7436DEA6A681}" type="sibTrans" cxnId="{5D9C71EB-993C-438F-BD83-82240C50CF7E}">
-      <dgm:prSet/>
-      <dgm:spPr/>
-      <dgm:t>
-        <a:bodyPr/>
-        <a:lstStyle/>
-        <a:p>
-          <a:endParaRPr lang="en-US"/>
-        </a:p>
-      </dgm:t>
-    </dgm:pt>
-    <dgm:pt modelId="{1AB637AA-AFE8-4D87-B07D-12A08DAD928B}">
-      <dgm:prSet/>
-      <dgm:spPr/>
-      <dgm:t>
-        <a:bodyPr/>
-        <a:lstStyle/>
-        <a:p>
-          <a:r>
-            <a:rPr lang="en-US" b="1" i="0" dirty="0"/>
-            <a:t>11:30am - 1:00pm</a:t>
-          </a:r>
-          <a:r>
-            <a:rPr lang="en-US" b="0" i="0" dirty="0"/>
-            <a:t>: Lunch Break</a:t>
-          </a:r>
-          <a:endParaRPr lang="en-US" dirty="0"/>
-        </a:p>
-      </dgm:t>
-    </dgm:pt>
-    <dgm:pt modelId="{B079A049-28B5-457D-9EF7-AD028B8E2002}" type="parTrans" cxnId="{B34185B6-2FD1-4FD9-AD6F-B3CE16DB7EAD}">
-      <dgm:prSet/>
-      <dgm:spPr/>
-      <dgm:t>
-        <a:bodyPr/>
-        <a:lstStyle/>
-        <a:p>
-          <a:endParaRPr lang="en-US"/>
-        </a:p>
-      </dgm:t>
-    </dgm:pt>
-    <dgm:pt modelId="{4794C1C6-35C9-4631-ACC2-71D51FCFC666}" type="sibTrans" cxnId="{B34185B6-2FD1-4FD9-AD6F-B3CE16DB7EAD}">
       <dgm:prSet/>
       <dgm:spPr/>
       <dgm:t>
@@ -3846,6 +3810,33 @@
         </a:p>
       </dgm:t>
     </dgm:pt>
+    <dgm:pt modelId="{F709227C-C304-B44A-AED8-E3A3199BC049}">
+      <dgm:prSet/>
+      <dgm:spPr/>
+      <dgm:t>
+        <a:bodyPr/>
+        <a:lstStyle/>
+        <a:p>
+          <a:r>
+            <a:rPr lang="en-US" b="1" i="0" dirty="0"/>
+            <a:t>11:30am - 1:00pm</a:t>
+          </a:r>
+          <a:r>
+            <a:rPr lang="en-US" b="0" i="0" dirty="0"/>
+            <a:t>: Lunch Break</a:t>
+          </a:r>
+          <a:endParaRPr lang="en-US" dirty="0"/>
+        </a:p>
+      </dgm:t>
+    </dgm:pt>
+    <dgm:pt modelId="{15B822D4-6B33-FF4E-84FF-AE4B0E81E04B}" type="parTrans" cxnId="{1A14E139-764A-5C41-AEE7-E9C35DFEE96A}">
+      <dgm:prSet/>
+      <dgm:spPr/>
+    </dgm:pt>
+    <dgm:pt modelId="{B1DE8524-A34A-C645-8F46-74F4A95794FD}" type="sibTrans" cxnId="{1A14E139-764A-5C41-AEE7-E9C35DFEE96A}">
+      <dgm:prSet/>
+      <dgm:spPr/>
+    </dgm:pt>
     <dgm:pt modelId="{254C2C5D-CFF9-B642-824E-9866B4F77272}" type="pres">
       <dgm:prSet presAssocID="{1D0450E3-6CDB-44DE-B22B-1D3ABB8F152A}" presName="diagram" presStyleCnt="0">
         <dgm:presLayoutVars>
@@ -3915,16 +3906,16 @@
       <dgm:prSet presAssocID="{FF421F49-13B6-4A72-929F-7436DEA6A681}" presName="sibTrans" presStyleCnt="0"/>
       <dgm:spPr/>
     </dgm:pt>
-    <dgm:pt modelId="{368CCECB-348D-124C-8F9D-D08263BBCF64}" type="pres">
-      <dgm:prSet presAssocID="{1AB637AA-AFE8-4D87-B07D-12A08DAD928B}" presName="node" presStyleLbl="node1" presStyleIdx="5" presStyleCnt="12">
+    <dgm:pt modelId="{A94E0B6B-3D39-D442-8A0A-D692A345C06F}" type="pres">
+      <dgm:prSet presAssocID="{F709227C-C304-B44A-AED8-E3A3199BC049}" presName="node" presStyleLbl="node1" presStyleIdx="5" presStyleCnt="12">
         <dgm:presLayoutVars>
           <dgm:bulletEnabled val="1"/>
         </dgm:presLayoutVars>
       </dgm:prSet>
       <dgm:spPr/>
     </dgm:pt>
-    <dgm:pt modelId="{5ECC951F-AA58-2B45-ABAD-240B3D56A923}" type="pres">
-      <dgm:prSet presAssocID="{4794C1C6-35C9-4631-ACC2-71D51FCFC666}" presName="sibTrans" presStyleCnt="0"/>
+    <dgm:pt modelId="{FE9C7710-7A0B-114C-B3B7-638AB14A24EF}" type="pres">
+      <dgm:prSet presAssocID="{B1DE8524-A34A-C645-8F46-74F4A95794FD}" presName="sibTrans" presStyleCnt="0"/>
       <dgm:spPr/>
     </dgm:pt>
     <dgm:pt modelId="{CC5FA2BB-DACA-7E4B-BA9B-FC5ACE4CEA85}" type="pres">
@@ -4005,6 +3996,7 @@
     <dgm:cxn modelId="{47F06C29-7FC0-4271-91B3-9E91273171C4}" srcId="{1D0450E3-6CDB-44DE-B22B-1D3ABB8F152A}" destId="{CF5BBE49-C613-4215-A034-2049B0F36F58}" srcOrd="1" destOrd="0" parTransId="{829B1C59-424A-47A7-8A87-7F9156306A54}" sibTransId="{09169144-F325-4900-BCAB-1622824CA7B1}"/>
     <dgm:cxn modelId="{B73B892B-6284-3C4E-8FD1-FD08672BC0AB}" type="presOf" srcId="{53B80F16-D3EE-41B6-9466-8AB4759DC670}" destId="{03CEB6BF-B8DC-6C4E-A14E-57C3E1DBFF52}" srcOrd="0" destOrd="0" presId="urn:microsoft.com/office/officeart/2005/8/layout/default"/>
     <dgm:cxn modelId="{523D192F-854E-4E46-A45C-038AF785DA3A}" type="presOf" srcId="{3E58C844-86ED-4740-988B-5E28116AEA2A}" destId="{046DAECA-836E-F046-B1D5-27D614886A2A}" srcOrd="0" destOrd="0" presId="urn:microsoft.com/office/officeart/2005/8/layout/default"/>
+    <dgm:cxn modelId="{1A14E139-764A-5C41-AEE7-E9C35DFEE96A}" srcId="{1D0450E3-6CDB-44DE-B22B-1D3ABB8F152A}" destId="{F709227C-C304-B44A-AED8-E3A3199BC049}" srcOrd="5" destOrd="0" parTransId="{15B822D4-6B33-FF4E-84FF-AE4B0E81E04B}" sibTransId="{B1DE8524-A34A-C645-8F46-74F4A95794FD}"/>
     <dgm:cxn modelId="{063CC64B-6856-4AE6-8757-9BB17B8EFA8E}" srcId="{1D0450E3-6CDB-44DE-B22B-1D3ABB8F152A}" destId="{81E5C425-2B16-403A-901A-482603F7FA77}" srcOrd="10" destOrd="0" parTransId="{6E2E3EFB-8322-41FC-A249-141B2FDF6E55}" sibTransId="{96027219-8DD6-4DDD-91E6-9324FEEF8319}"/>
     <dgm:cxn modelId="{82AEBE54-6DE7-46FB-BF2B-4F9AC33E6825}" srcId="{1D0450E3-6CDB-44DE-B22B-1D3ABB8F152A}" destId="{3E58C844-86ED-4740-988B-5E28116AEA2A}" srcOrd="8" destOrd="0" parTransId="{E6989E9E-F294-44EE-B3A4-EB007A506CB0}" sibTransId="{D87BF96C-8C6B-457D-AC26-AE5FADEF2B0C}"/>
     <dgm:cxn modelId="{6D5D915C-1C27-FC4B-AF9A-26F37EB325BF}" type="presOf" srcId="{A257FE4E-FFB1-4C66-BC32-FE571F3C224F}" destId="{832955F3-CB9E-9F4C-9C1A-4B17878F879A}" srcOrd="0" destOrd="0" presId="urn:microsoft.com/office/officeart/2005/8/layout/default"/>
@@ -4012,11 +4004,10 @@
     <dgm:cxn modelId="{697A1A6D-93B7-8A4C-A84E-753609479611}" type="presOf" srcId="{CDFECBEF-0F8B-43C4-94C9-D74CE502CA2B}" destId="{30190DB5-6049-6948-8E32-9563D10FFF96}" srcOrd="0" destOrd="0" presId="urn:microsoft.com/office/officeart/2005/8/layout/default"/>
     <dgm:cxn modelId="{D8850770-1502-4E1A-AF5F-DDC25482E32B}" srcId="{1D0450E3-6CDB-44DE-B22B-1D3ABB8F152A}" destId="{D77B2E58-27C9-4D75-9A3F-22A1333376A3}" srcOrd="2" destOrd="0" parTransId="{815EA1F8-0804-4082-8F2B-02244CBBD424}" sibTransId="{9BBE88C8-15CD-44D2-B3FC-EAFA2F0E0D33}"/>
     <dgm:cxn modelId="{E7CEA972-9966-4888-A6DC-F402D00D0D44}" srcId="{1D0450E3-6CDB-44DE-B22B-1D3ABB8F152A}" destId="{53B80F16-D3EE-41B6-9466-8AB4759DC670}" srcOrd="7" destOrd="0" parTransId="{BF5F7EE3-08D6-48CD-A038-F522B68D55D6}" sibTransId="{1D0975C1-BED6-4A27-98A4-072031EC9332}"/>
-    <dgm:cxn modelId="{37412574-08F9-EC43-8C43-0A0A310A7865}" type="presOf" srcId="{1AB637AA-AFE8-4D87-B07D-12A08DAD928B}" destId="{368CCECB-348D-124C-8F9D-D08263BBCF64}" srcOrd="0" destOrd="0" presId="urn:microsoft.com/office/officeart/2005/8/layout/default"/>
     <dgm:cxn modelId="{BF0AF774-2274-354A-8220-AE1613B283E5}" type="presOf" srcId="{CF5BBE49-C613-4215-A034-2049B0F36F58}" destId="{508B87C2-0277-EC4D-ACBD-DC9FEAD5BD0C}" srcOrd="0" destOrd="0" presId="urn:microsoft.com/office/officeart/2005/8/layout/default"/>
     <dgm:cxn modelId="{A8023698-BD1F-4F8E-B3B9-6FDD124918CC}" srcId="{1D0450E3-6CDB-44DE-B22B-1D3ABB8F152A}" destId="{4C9C3541-F413-47DD-99BD-E8E5B863F601}" srcOrd="11" destOrd="0" parTransId="{D55C0FB8-7541-48A4-9032-A175FF070B41}" sibTransId="{4E6D11AE-E96A-4F98-BC05-231979B15571}"/>
     <dgm:cxn modelId="{30ED11AA-7403-4D46-AE3D-F586AEDE26AB}" srcId="{1D0450E3-6CDB-44DE-B22B-1D3ABB8F152A}" destId="{E302AFEC-3002-42AF-869B-7F8E277E542D}" srcOrd="9" destOrd="0" parTransId="{68C430D8-7043-4249-80BF-D7F216B9A5AC}" sibTransId="{89BC2FBC-E32D-4C81-80FA-EC3F459BEC59}"/>
-    <dgm:cxn modelId="{B34185B6-2FD1-4FD9-AD6F-B3CE16DB7EAD}" srcId="{1D0450E3-6CDB-44DE-B22B-1D3ABB8F152A}" destId="{1AB637AA-AFE8-4D87-B07D-12A08DAD928B}" srcOrd="5" destOrd="0" parTransId="{B079A049-28B5-457D-9EF7-AD028B8E2002}" sibTransId="{4794C1C6-35C9-4631-ACC2-71D51FCFC666}"/>
+    <dgm:cxn modelId="{C6B1AEBF-8A27-764C-931D-750F294ED7EE}" type="presOf" srcId="{F709227C-C304-B44A-AED8-E3A3199BC049}" destId="{A94E0B6B-3D39-D442-8A0A-D692A345C06F}" srcOrd="0" destOrd="0" presId="urn:microsoft.com/office/officeart/2005/8/layout/default"/>
     <dgm:cxn modelId="{FF776CC6-F65A-41E1-8A71-62ACCF0A73B9}" srcId="{1D0450E3-6CDB-44DE-B22B-1D3ABB8F152A}" destId="{A257FE4E-FFB1-4C66-BC32-FE571F3C224F}" srcOrd="0" destOrd="0" parTransId="{E1F95575-7E7B-411E-AC80-17CB3BCD33DB}" sibTransId="{C2C8C44B-CC56-430C-B315-9C5962ABDFA3}"/>
     <dgm:cxn modelId="{F1AD8FCC-36C4-0647-948E-1A4678A10E5F}" type="presOf" srcId="{E302AFEC-3002-42AF-869B-7F8E277E542D}" destId="{23D384F6-91CD-3A40-BBA6-2A39EA36510F}" srcOrd="0" destOrd="0" presId="urn:microsoft.com/office/officeart/2005/8/layout/default"/>
     <dgm:cxn modelId="{539432E8-2DC6-4DE1-BA4B-BA2A56EE74B5}" srcId="{1D0450E3-6CDB-44DE-B22B-1D3ABB8F152A}" destId="{648281E8-FBA2-4BB1-97ED-6E40E7F232B6}" srcOrd="6" destOrd="0" parTransId="{3EC7C95C-26CA-4002-B7C4-42BC1F662048}" sibTransId="{65A0E89C-3000-40CB-9BC1-2C77B855918C}"/>
@@ -4032,8 +4023,8 @@
     <dgm:cxn modelId="{2DD4D327-043A-1449-B7F1-A67D83E3B0CA}" type="presParOf" srcId="{254C2C5D-CFF9-B642-824E-9866B4F77272}" destId="{D661F64A-E21F-5D4A-8008-2F4474D9D1EE}" srcOrd="7" destOrd="0" presId="urn:microsoft.com/office/officeart/2005/8/layout/default"/>
     <dgm:cxn modelId="{A346BE35-ED19-7C4E-9893-C536B0174D68}" type="presParOf" srcId="{254C2C5D-CFF9-B642-824E-9866B4F77272}" destId="{30190DB5-6049-6948-8E32-9563D10FFF96}" srcOrd="8" destOrd="0" presId="urn:microsoft.com/office/officeart/2005/8/layout/default"/>
     <dgm:cxn modelId="{D026255E-355D-AA46-94D1-468D4CAA31E7}" type="presParOf" srcId="{254C2C5D-CFF9-B642-824E-9866B4F77272}" destId="{9AB18A4E-9E2F-C843-93DB-D1B246EFC2A6}" srcOrd="9" destOrd="0" presId="urn:microsoft.com/office/officeart/2005/8/layout/default"/>
-    <dgm:cxn modelId="{ED55B5BC-BB8E-F447-AD74-E0A32741B8EC}" type="presParOf" srcId="{254C2C5D-CFF9-B642-824E-9866B4F77272}" destId="{368CCECB-348D-124C-8F9D-D08263BBCF64}" srcOrd="10" destOrd="0" presId="urn:microsoft.com/office/officeart/2005/8/layout/default"/>
-    <dgm:cxn modelId="{DD73AA55-4E6E-534C-B906-AFB8DF9B6E99}" type="presParOf" srcId="{254C2C5D-CFF9-B642-824E-9866B4F77272}" destId="{5ECC951F-AA58-2B45-ABAD-240B3D56A923}" srcOrd="11" destOrd="0" presId="urn:microsoft.com/office/officeart/2005/8/layout/default"/>
+    <dgm:cxn modelId="{A02F78FB-5385-A54E-BA6A-7C9320F4F487}" type="presParOf" srcId="{254C2C5D-CFF9-B642-824E-9866B4F77272}" destId="{A94E0B6B-3D39-D442-8A0A-D692A345C06F}" srcOrd="10" destOrd="0" presId="urn:microsoft.com/office/officeart/2005/8/layout/default"/>
+    <dgm:cxn modelId="{D1828990-CA10-7E4B-8436-04EED9C1B894}" type="presParOf" srcId="{254C2C5D-CFF9-B642-824E-9866B4F77272}" destId="{FE9C7710-7A0B-114C-B3B7-638AB14A24EF}" srcOrd="11" destOrd="0" presId="urn:microsoft.com/office/officeart/2005/8/layout/default"/>
     <dgm:cxn modelId="{96165A02-F860-B14D-B3E1-6FA815B78E89}" type="presParOf" srcId="{254C2C5D-CFF9-B642-824E-9866B4F77272}" destId="{CC5FA2BB-DACA-7E4B-BA9B-FC5ACE4CEA85}" srcOrd="12" destOrd="0" presId="urn:microsoft.com/office/officeart/2005/8/layout/default"/>
     <dgm:cxn modelId="{15F47214-8A8E-8B46-B8EC-A5EFB16D5C8B}" type="presParOf" srcId="{254C2C5D-CFF9-B642-824E-9866B4F77272}" destId="{204BBF18-CBC3-E84B-B016-D042978914F9}" srcOrd="13" destOrd="0" presId="urn:microsoft.com/office/officeart/2005/8/layout/default"/>
     <dgm:cxn modelId="{AE390EAD-ABC1-1D49-AF39-E04E895146C1}" type="presParOf" srcId="{254C2C5D-CFF9-B642-824E-9866B4F77272}" destId="{03CEB6BF-B8DC-6C4E-A14E-57C3E1DBFF52}" srcOrd="14" destOrd="0" presId="urn:microsoft.com/office/officeart/2005/8/layout/default"/>
@@ -4050,7 +4041,7 @@
   <dgm:whole/>
   <dgm:extLst>
     <a:ext uri="http://schemas.microsoft.com/office/drawing/2008/diagram">
-      <dsp:dataModelExt xmlns:dsp="http://schemas.microsoft.com/office/drawing/2008/diagram" relId="rId6" minVer="http://schemas.openxmlformats.org/drawingml/2006/diagram"/>
+      <dsp:dataModelExt xmlns:dsp="http://schemas.microsoft.com/office/drawing/2008/diagram" relId="rId7" minVer="http://schemas.openxmlformats.org/drawingml/2006/diagram"/>
     </a:ext>
   </dgm:extLst>
 </dgm:dataModel>
@@ -6861,7 +6852,7 @@
           </a:r>
           <a:r>
             <a:rPr lang="en-US" sz="1600" b="0" i="0" kern="1200" dirty="0"/>
-            <a:t>: Physics Applications of Large Language Models</a:t>
+            <a:t>: Introduction to Large-Language Models and Retrieval Augmented Generation</a:t>
           </a:r>
           <a:endParaRPr lang="en-US" sz="1600" kern="1200" dirty="0"/>
         </a:p>
@@ -6940,7 +6931,7 @@
           </a:pPr>
           <a:r>
             <a:rPr lang="en-US" sz="1600" b="1" i="0" kern="1200" dirty="0"/>
-            <a:t>10:30am - 10:45am</a:t>
+            <a:t>10:15am - 10:30am</a:t>
           </a:r>
           <a:r>
             <a:rPr lang="en-US" sz="1600" b="0" i="0" kern="1200" dirty="0"/>
@@ -7023,11 +7014,11 @@
           </a:pPr>
           <a:r>
             <a:rPr lang="en-US" sz="1600" b="1" i="0" kern="1200" dirty="0"/>
-            <a:t>10:45am - 11:30am</a:t>
+            <a:t>10:30am - 11:30am</a:t>
           </a:r>
           <a:r>
             <a:rPr lang="en-US" sz="1600" b="0" i="0" kern="1200" dirty="0"/>
-            <a:t>: Introduction to Large-Language Models and Retrieval Augmented Generation</a:t>
+            <a:t>: Physics Applications of Large Language Models</a:t>
           </a:r>
           <a:endParaRPr lang="en-US" sz="1600" kern="1200" dirty="0"/>
         </a:p>
@@ -7037,7 +7028,7 @@
         <a:ext cx="2094322" cy="1256593"/>
       </dsp:txXfrm>
     </dsp:sp>
-    <dsp:sp modelId="{368CCECB-348D-124C-8F9D-D08263BBCF64}">
+    <dsp:sp modelId="{A94E0B6B-3D39-D442-8A0A-D692A345C06F}">
       <dsp:nvSpPr>
         <dsp:cNvPr id="0" name=""/>
         <dsp:cNvSpPr/>
@@ -10726,7 +10717,7 @@
           <a:p>
             <a:fld id="{0FA68A84-6FE2-534D-B950-6AFE9462213B}" type="datetimeFigureOut">
               <a:rPr lang="en-US" smtClean="0"/>
-              <a:t>3/15/25</a:t>
+              <a:t>3/16/25</a:t>
             </a:fld>
             <a:endParaRPr lang="en-US"/>
           </a:p>
@@ -11077,6 +11068,90 @@
 </p:notes>
 </file>
 
+<file path=ppt/notesSlides/notesSlide2.xml><?xml version="1.0" encoding="utf-8"?>
+<p:notes xmlns:a="http://schemas.openxmlformats.org/drawingml/2006/main" xmlns:r="http://schemas.openxmlformats.org/officeDocument/2006/relationships" xmlns:p="http://schemas.openxmlformats.org/presentationml/2006/main">
+  <p:cSld>
+    <p:spTree>
+      <p:nvGrpSpPr>
+        <p:cNvPr id="1" name=""/>
+        <p:cNvGrpSpPr/>
+        <p:nvPr/>
+      </p:nvGrpSpPr>
+      <p:grpSpPr>
+        <a:xfrm>
+          <a:off x="0" y="0"/>
+          <a:ext cx="0" cy="0"/>
+          <a:chOff x="0" y="0"/>
+          <a:chExt cx="0" cy="0"/>
+        </a:xfrm>
+      </p:grpSpPr>
+      <p:sp>
+        <p:nvSpPr>
+          <p:cNvPr id="2" name="Slide Image Placeholder 1"/>
+          <p:cNvSpPr>
+            <a:spLocks noGrp="1" noRot="1" noChangeAspect="1"/>
+          </p:cNvSpPr>
+          <p:nvPr>
+            <p:ph type="sldImg"/>
+          </p:nvPr>
+        </p:nvSpPr>
+        <p:spPr/>
+      </p:sp>
+      <p:sp>
+        <p:nvSpPr>
+          <p:cNvPr id="3" name="Notes Placeholder 2"/>
+          <p:cNvSpPr>
+            <a:spLocks noGrp="1"/>
+          </p:cNvSpPr>
+          <p:nvPr>
+            <p:ph type="body" idx="1"/>
+          </p:nvPr>
+        </p:nvSpPr>
+        <p:spPr/>
+        <p:txBody>
+          <a:bodyPr/>
+          <a:lstStyle/>
+          <a:p>
+            <a:endParaRPr lang="en-US"/>
+          </a:p>
+        </p:txBody>
+      </p:sp>
+      <p:sp>
+        <p:nvSpPr>
+          <p:cNvPr id="4" name="Slide Number Placeholder 3"/>
+          <p:cNvSpPr>
+            <a:spLocks noGrp="1"/>
+          </p:cNvSpPr>
+          <p:nvPr>
+            <p:ph type="sldNum" sz="quarter" idx="5"/>
+          </p:nvPr>
+        </p:nvSpPr>
+        <p:spPr/>
+        <p:txBody>
+          <a:bodyPr/>
+          <a:lstStyle/>
+          <a:p>
+            <a:fld id="{5DD94F4F-24D1-8241-8AB7-ED963083FA60}" type="slidenum">
+              <a:rPr lang="en-US" smtClean="0"/>
+              <a:t>6</a:t>
+            </a:fld>
+            <a:endParaRPr lang="en-US"/>
+          </a:p>
+        </p:txBody>
+      </p:sp>
+    </p:spTree>
+    <p:extLst>
+      <p:ext uri="{BB962C8B-B14F-4D97-AF65-F5344CB8AC3E}">
+        <p14:creationId xmlns:p14="http://schemas.microsoft.com/office/powerpoint/2010/main" val="3676371198"/>
+      </p:ext>
+    </p:extLst>
+  </p:cSld>
+  <p:clrMapOvr>
+    <a:masterClrMapping/>
+  </p:clrMapOvr>
+</p:notes>
+</file>
+
 <file path=ppt/slideLayouts/slideLayout1.xml><?xml version="1.0" encoding="utf-8"?>
 <p:sldLayout xmlns:a="http://schemas.openxmlformats.org/drawingml/2006/main" xmlns:r="http://schemas.openxmlformats.org/officeDocument/2006/relationships" xmlns:p="http://schemas.openxmlformats.org/presentationml/2006/main" type="title" preserve="1">
   <p:cSld name="Title Slide">
@@ -11224,7 +11299,7 @@
           <a:p>
             <a:fld id="{65752C24-0C26-364E-8B6C-04C4386263C4}" type="datetimeFigureOut">
               <a:rPr lang="en-US" smtClean="0"/>
-              <a:t>3/14/25</a:t>
+              <a:t>3/16/25</a:t>
             </a:fld>
             <a:endParaRPr lang="en-US"/>
           </a:p>
@@ -11422,7 +11497,7 @@
           <a:p>
             <a:fld id="{65752C24-0C26-364E-8B6C-04C4386263C4}" type="datetimeFigureOut">
               <a:rPr lang="en-US" smtClean="0"/>
-              <a:t>3/14/25</a:t>
+              <a:t>3/16/25</a:t>
             </a:fld>
             <a:endParaRPr lang="en-US"/>
           </a:p>
@@ -11630,7 +11705,7 @@
           <a:p>
             <a:fld id="{65752C24-0C26-364E-8B6C-04C4386263C4}" type="datetimeFigureOut">
               <a:rPr lang="en-US" smtClean="0"/>
-              <a:t>3/14/25</a:t>
+              <a:t>3/16/25</a:t>
             </a:fld>
             <a:endParaRPr lang="en-US"/>
           </a:p>
@@ -11828,7 +11903,7 @@
           <a:p>
             <a:fld id="{65752C24-0C26-364E-8B6C-04C4386263C4}" type="datetimeFigureOut">
               <a:rPr lang="en-US" smtClean="0"/>
-              <a:t>3/14/25</a:t>
+              <a:t>3/16/25</a:t>
             </a:fld>
             <a:endParaRPr lang="en-US"/>
           </a:p>
@@ -12103,7 +12178,7 @@
           <a:p>
             <a:fld id="{65752C24-0C26-364E-8B6C-04C4386263C4}" type="datetimeFigureOut">
               <a:rPr lang="en-US" smtClean="0"/>
-              <a:t>3/14/25</a:t>
+              <a:t>3/16/25</a:t>
             </a:fld>
             <a:endParaRPr lang="en-US"/>
           </a:p>
@@ -12368,7 +12443,7 @@
           <a:p>
             <a:fld id="{65752C24-0C26-364E-8B6C-04C4386263C4}" type="datetimeFigureOut">
               <a:rPr lang="en-US" smtClean="0"/>
-              <a:t>3/14/25</a:t>
+              <a:t>3/16/25</a:t>
             </a:fld>
             <a:endParaRPr lang="en-US"/>
           </a:p>
@@ -12780,7 +12855,7 @@
           <a:p>
             <a:fld id="{65752C24-0C26-364E-8B6C-04C4386263C4}" type="datetimeFigureOut">
               <a:rPr lang="en-US" smtClean="0"/>
-              <a:t>3/14/25</a:t>
+              <a:t>3/16/25</a:t>
             </a:fld>
             <a:endParaRPr lang="en-US"/>
           </a:p>
@@ -12921,7 +12996,7 @@
           <a:p>
             <a:fld id="{65752C24-0C26-364E-8B6C-04C4386263C4}" type="datetimeFigureOut">
               <a:rPr lang="en-US" smtClean="0"/>
-              <a:t>3/14/25</a:t>
+              <a:t>3/16/25</a:t>
             </a:fld>
             <a:endParaRPr lang="en-US"/>
           </a:p>
@@ -13034,7 +13109,7 @@
           <a:p>
             <a:fld id="{65752C24-0C26-364E-8B6C-04C4386263C4}" type="datetimeFigureOut">
               <a:rPr lang="en-US" smtClean="0"/>
-              <a:t>3/14/25</a:t>
+              <a:t>3/16/25</a:t>
             </a:fld>
             <a:endParaRPr lang="en-US"/>
           </a:p>
@@ -13345,7 +13420,7 @@
           <a:p>
             <a:fld id="{65752C24-0C26-364E-8B6C-04C4386263C4}" type="datetimeFigureOut">
               <a:rPr lang="en-US" smtClean="0"/>
-              <a:t>3/14/25</a:t>
+              <a:t>3/16/25</a:t>
             </a:fld>
             <a:endParaRPr lang="en-US"/>
           </a:p>
@@ -13633,7 +13708,7 @@
           <a:p>
             <a:fld id="{65752C24-0C26-364E-8B6C-04C4386263C4}" type="datetimeFigureOut">
               <a:rPr lang="en-US" smtClean="0"/>
-              <a:t>3/14/25</a:t>
+              <a:t>3/16/25</a:t>
             </a:fld>
             <a:endParaRPr lang="en-US"/>
           </a:p>
@@ -13874,7 +13949,7 @@
           <a:p>
             <a:fld id="{65752C24-0C26-364E-8B6C-04C4386263C4}" type="datetimeFigureOut">
               <a:rPr lang="en-US" smtClean="0"/>
-              <a:t>3/14/25</a:t>
+              <a:t>3/16/25</a:t>
             </a:fld>
             <a:endParaRPr lang="en-US"/>
           </a:p>
@@ -14920,11 +14995,11 @@
   <p:clrMapOvr>
     <a:masterClrMapping/>
   </p:clrMapOvr>
-  <mc:AlternateContent xmlns:mc="http://schemas.openxmlformats.org/markup-compatibility/2006">
-    <mc:Choice xmlns:p14="http://schemas.microsoft.com/office/powerpoint/2010/main" Requires="p14">
+  <mc:AlternateContent xmlns:mc="http://schemas.openxmlformats.org/markup-compatibility/2006" xmlns:p14="http://schemas.microsoft.com/office/powerpoint/2010/main">
+    <mc:Choice Requires="p14">
       <p:transition spd="slow" p14:dur="10000" advClick="0" advTm="15000"/>
     </mc:Choice>
-    <mc:Fallback>
+    <mc:Fallback xmlns="">
       <p:transition spd="slow" advClick="0" advTm="15000"/>
     </mc:Fallback>
   </mc:AlternateContent>
@@ -15729,11 +15804,11 @@
   <p:clrMapOvr>
     <a:masterClrMapping/>
   </p:clrMapOvr>
-  <mc:AlternateContent xmlns:mc="http://schemas.openxmlformats.org/markup-compatibility/2006">
-    <mc:Choice xmlns:p14="http://schemas.microsoft.com/office/powerpoint/2010/main" Requires="p14">
+  <mc:AlternateContent xmlns:mc="http://schemas.openxmlformats.org/markup-compatibility/2006" xmlns:p14="http://schemas.microsoft.com/office/powerpoint/2010/main">
+    <mc:Choice Requires="p14">
       <p:transition spd="slow" p14:dur="2000" advClick="0" advTm="15000"/>
     </mc:Choice>
-    <mc:Fallback>
+    <mc:Fallback xmlns="">
       <p:transition spd="slow" advClick="0" advTm="15000"/>
     </mc:Fallback>
   </mc:AlternateContent>
@@ -16136,11 +16211,11 @@
   <p:clrMapOvr>
     <a:masterClrMapping/>
   </p:clrMapOvr>
-  <mc:AlternateContent xmlns:mc="http://schemas.openxmlformats.org/markup-compatibility/2006">
-    <mc:Choice xmlns:p14="http://schemas.microsoft.com/office/powerpoint/2010/main" Requires="p14">
+  <mc:AlternateContent xmlns:mc="http://schemas.openxmlformats.org/markup-compatibility/2006" xmlns:p14="http://schemas.microsoft.com/office/powerpoint/2010/main">
+    <mc:Choice Requires="p14">
       <p:transition spd="slow" p14:dur="2000" advClick="0" advTm="15000"/>
     </mc:Choice>
-    <mc:Fallback>
+    <mc:Fallback xmlns="">
       <p:transition spd="slow" advClick="0" advTm="15000"/>
     </mc:Fallback>
   </mc:AlternateContent>
@@ -16551,11 +16626,11 @@
   <p:clrMapOvr>
     <a:masterClrMapping/>
   </p:clrMapOvr>
-  <mc:AlternateContent xmlns:mc="http://schemas.openxmlformats.org/markup-compatibility/2006">
-    <mc:Choice xmlns:p14="http://schemas.microsoft.com/office/powerpoint/2010/main" Requires="p14">
+  <mc:AlternateContent xmlns:mc="http://schemas.openxmlformats.org/markup-compatibility/2006" xmlns:p14="http://schemas.microsoft.com/office/powerpoint/2010/main">
+    <mc:Choice Requires="p14">
       <p:transition spd="slow" p14:dur="10000" advClick="0" advTm="15000"/>
     </mc:Choice>
-    <mc:Fallback>
+    <mc:Fallback xmlns="">
       <p:transition spd="slow" advClick="0" advTm="15000"/>
     </mc:Fallback>
   </mc:AlternateContent>
@@ -16966,11 +17041,11 @@
   <p:clrMapOvr>
     <a:masterClrMapping/>
   </p:clrMapOvr>
-  <mc:AlternateContent xmlns:mc="http://schemas.openxmlformats.org/markup-compatibility/2006">
-    <mc:Choice xmlns:p14="http://schemas.microsoft.com/office/powerpoint/2010/main" Requires="p14">
+  <mc:AlternateContent xmlns:mc="http://schemas.openxmlformats.org/markup-compatibility/2006" xmlns:p14="http://schemas.microsoft.com/office/powerpoint/2010/main">
+    <mc:Choice Requires="p14">
       <p:transition spd="slow" p14:dur="2000" advClick="0" advTm="15000"/>
     </mc:Choice>
-    <mc:Fallback>
+    <mc:Fallback xmlns="">
       <p:transition spd="slow" advClick="0" advTm="15000"/>
     </mc:Fallback>
   </mc:AlternateContent>
@@ -17386,11 +17461,11 @@
   <p:clrMapOvr>
     <a:masterClrMapping/>
   </p:clrMapOvr>
-  <mc:AlternateContent xmlns:mc="http://schemas.openxmlformats.org/markup-compatibility/2006">
-    <mc:Choice xmlns:p14="http://schemas.microsoft.com/office/powerpoint/2010/main" Requires="p14">
+  <mc:AlternateContent xmlns:mc="http://schemas.openxmlformats.org/markup-compatibility/2006" xmlns:p14="http://schemas.microsoft.com/office/powerpoint/2010/main">
+    <mc:Choice Requires="p14">
       <p:transition spd="slow" p14:dur="2000" advClick="0" advTm="25000"/>
     </mc:Choice>
-    <mc:Fallback>
+    <mc:Fallback xmlns="">
       <p:transition spd="slow" advClick="0" advTm="25000"/>
     </mc:Fallback>
   </mc:AlternateContent>
@@ -17781,7 +17856,7 @@
             <p:ph idx="1"/>
             <p:extLst>
               <p:ext uri="{D42A27DB-BD31-4B8C-83A1-F6EECF244321}">
-                <p14:modId xmlns:p14="http://schemas.microsoft.com/office/powerpoint/2010/main" val="1913711215"/>
+                <p14:modId xmlns:p14="http://schemas.microsoft.com/office/powerpoint/2010/main" val="542455034"/>
               </p:ext>
             </p:extLst>
           </p:nvPr>
@@ -17792,7 +17867,7 @@
         </p:xfrm>
         <a:graphic>
           <a:graphicData uri="http://schemas.openxmlformats.org/drawingml/2006/diagram">
-            <dgm:relIds xmlns:dgm="http://schemas.openxmlformats.org/drawingml/2006/diagram" xmlns:r="http://schemas.openxmlformats.org/officeDocument/2006/relationships" r:dm="rId2" r:lo="rId3" r:qs="rId4" r:cs="rId5"/>
+            <dgm:relIds xmlns:dgm="http://schemas.openxmlformats.org/drawingml/2006/diagram" xmlns:r="http://schemas.openxmlformats.org/officeDocument/2006/relationships" r:dm="rId3" r:lo="rId4" r:qs="rId5" r:cs="rId6"/>
           </a:graphicData>
         </a:graphic>
       </p:graphicFrame>
@@ -17806,11 +17881,11 @@
   <p:clrMapOvr>
     <a:masterClrMapping/>
   </p:clrMapOvr>
-  <mc:AlternateContent xmlns:mc="http://schemas.openxmlformats.org/markup-compatibility/2006">
-    <mc:Choice xmlns:p14="http://schemas.microsoft.com/office/powerpoint/2010/main" Requires="p14">
+  <mc:AlternateContent xmlns:mc="http://schemas.openxmlformats.org/markup-compatibility/2006" xmlns:p14="http://schemas.microsoft.com/office/powerpoint/2010/main">
+    <mc:Choice Requires="p14">
       <p:transition spd="slow" p14:dur="2000" advClick="0" advTm="25000"/>
     </mc:Choice>
-    <mc:Fallback>
+    <mc:Fallback xmlns="">
       <p:transition spd="slow" advClick="0" advTm="25000"/>
     </mc:Fallback>
   </mc:AlternateContent>
@@ -18466,11 +18541,11 @@
   <p:clrMapOvr>
     <a:masterClrMapping/>
   </p:clrMapOvr>
-  <mc:AlternateContent xmlns:mc="http://schemas.openxmlformats.org/markup-compatibility/2006">
-    <mc:Choice xmlns:p14="http://schemas.microsoft.com/office/powerpoint/2010/main" Requires="p14">
+  <mc:AlternateContent xmlns:mc="http://schemas.openxmlformats.org/markup-compatibility/2006" xmlns:p14="http://schemas.microsoft.com/office/powerpoint/2010/main">
+    <mc:Choice Requires="p14">
       <p:transition spd="slow" p14:dur="2000" advClick="0" advTm="15000"/>
     </mc:Choice>
-    <mc:Fallback>
+    <mc:Fallback xmlns="">
       <p:transition spd="slow" advClick="0" advTm="15000"/>
     </mc:Fallback>
   </mc:AlternateContent>
@@ -19162,11 +19237,11 @@
   <p:clrMapOvr>
     <a:masterClrMapping/>
   </p:clrMapOvr>
-  <mc:AlternateContent xmlns:mc="http://schemas.openxmlformats.org/markup-compatibility/2006">
-    <mc:Choice xmlns:p14="http://schemas.microsoft.com/office/powerpoint/2010/main" Requires="p14">
+  <mc:AlternateContent xmlns:mc="http://schemas.openxmlformats.org/markup-compatibility/2006" xmlns:p14="http://schemas.microsoft.com/office/powerpoint/2010/main">
+    <mc:Choice Requires="p14">
       <p:transition spd="slow" p14:dur="2000" advClick="0" advTm="15000"/>
     </mc:Choice>
-    <mc:Fallback>
+    <mc:Fallback xmlns="">
       <p:transition spd="slow" advClick="0" advTm="15000"/>
     </mc:Fallback>
   </mc:AlternateContent>
@@ -19779,11 +19854,11 @@
   <p:clrMapOvr>
     <a:masterClrMapping/>
   </p:clrMapOvr>
-  <mc:AlternateContent xmlns:mc="http://schemas.openxmlformats.org/markup-compatibility/2006">
-    <mc:Choice xmlns:p14="http://schemas.microsoft.com/office/powerpoint/2010/main" Requires="p14">
+  <mc:AlternateContent xmlns:mc="http://schemas.openxmlformats.org/markup-compatibility/2006" xmlns:p14="http://schemas.microsoft.com/office/powerpoint/2010/main">
+    <mc:Choice Requires="p14">
       <p:transition spd="slow" p14:dur="2000" advClick="0" advTm="15000"/>
     </mc:Choice>
-    <mc:Fallback>
+    <mc:Fallback xmlns="">
       <p:transition spd="slow" advClick="0" advTm="15000"/>
     </mc:Fallback>
   </mc:AlternateContent>
